--- a/项目文档/需求/辐射防护数据集成与监控系统软件需求分析报告.pptx
+++ b/项目文档/需求/辐射防护数据集成与监控系统软件需求分析报告.pptx
@@ -264,7 +264,7 @@
           <a:p>
             <a:fld id="{673B58EF-4ABD-40F4-ACA4-FE81D742E6DD}" type="datetimeFigureOut">
               <a:rPr lang="zh-CN" altLang="en-US" smtClean="0"/>
-              <a:t>2019/10/2</a:t>
+              <a:t>2019/10/30</a:t>
             </a:fld>
             <a:endParaRPr lang="zh-CN" altLang="en-US"/>
           </a:p>
@@ -1980,7 +1980,7 @@
               <a:pPr>
                 <a:defRPr/>
               </a:pPr>
-              <a:t>2019/10/2</a:t>
+              <a:t>2019/10/30</a:t>
             </a:fld>
             <a:endParaRPr lang="zh-CN" altLang="en-US"/>
           </a:p>
@@ -2175,7 +2175,7 @@
               <a:pPr>
                 <a:defRPr/>
               </a:pPr>
-              <a:t>2019/10/2</a:t>
+              <a:t>2019/10/30</a:t>
             </a:fld>
             <a:endParaRPr lang="zh-CN" altLang="en-US"/>
           </a:p>
@@ -2380,7 +2380,7 @@
               <a:pPr>
                 <a:defRPr/>
               </a:pPr>
-              <a:t>2019/10/2</a:t>
+              <a:t>2019/10/30</a:t>
             </a:fld>
             <a:endParaRPr lang="zh-CN" altLang="en-US"/>
           </a:p>
@@ -2981,7 +2981,7 @@
               <a:pPr>
                 <a:defRPr/>
               </a:pPr>
-              <a:t>2019/10/2</a:t>
+              <a:t>2019/10/30</a:t>
             </a:fld>
             <a:endParaRPr lang="zh-CN" altLang="en-US"/>
           </a:p>
@@ -3293,7 +3293,7 @@
               <a:pPr>
                 <a:defRPr/>
               </a:pPr>
-              <a:t>2019/10/2</a:t>
+              <a:t>2019/10/30</a:t>
             </a:fld>
             <a:endParaRPr lang="zh-CN" altLang="en-US"/>
           </a:p>
@@ -3744,7 +3744,7 @@
               <a:pPr>
                 <a:defRPr/>
               </a:pPr>
-              <a:t>2019/10/2</a:t>
+              <a:t>2019/10/30</a:t>
             </a:fld>
             <a:endParaRPr lang="zh-CN" altLang="en-US"/>
           </a:p>
@@ -3888,7 +3888,7 @@
               <a:pPr>
                 <a:defRPr/>
               </a:pPr>
-              <a:t>2019/10/2</a:t>
+              <a:t>2019/10/30</a:t>
             </a:fld>
             <a:endParaRPr lang="zh-CN" altLang="en-US"/>
           </a:p>
@@ -4010,7 +4010,7 @@
               <a:pPr>
                 <a:defRPr/>
               </a:pPr>
-              <a:t>2019/10/2</a:t>
+              <a:t>2019/10/30</a:t>
             </a:fld>
             <a:endParaRPr lang="zh-CN" altLang="en-US"/>
           </a:p>
@@ -4425,7 +4425,7 @@
               <a:pPr>
                 <a:defRPr/>
               </a:pPr>
-              <a:t>2019/10/2</a:t>
+              <a:t>2019/10/30</a:t>
             </a:fld>
             <a:endParaRPr lang="zh-CN" altLang="en-US"/>
           </a:p>
@@ -4707,7 +4707,7 @@
               <a:pPr>
                 <a:defRPr/>
               </a:pPr>
-              <a:t>2019/10/2</a:t>
+              <a:t>2019/10/30</a:t>
             </a:fld>
             <a:endParaRPr lang="zh-CN" altLang="en-US"/>
           </a:p>
@@ -5009,7 +5009,7 @@
               <a:pPr>
                 <a:defRPr/>
               </a:pPr>
-              <a:t>2019/10/2</a:t>
+              <a:t>2019/10/30</a:t>
             </a:fld>
             <a:endParaRPr lang="zh-CN" altLang="en-US"/>
           </a:p>
@@ -6865,7 +6865,7 @@
           <a:graphicData uri="http://schemas.openxmlformats.org/presentationml/2006/ole">
             <mc:AlternateContent xmlns:mc="http://schemas.openxmlformats.org/markup-compatibility/2006">
               <mc:Choice xmlns:v="urn:schemas-microsoft-com:vml" Requires="v">
-                <p:oleObj spid="_x0000_s61458" name="Visio" r:id="rId4" imgW="10106247" imgH="4881553" progId="Visio.Drawing.15">
+                <p:oleObj spid="_x0000_s61459" name="Visio" r:id="rId4" imgW="10106247" imgH="4881553" progId="Visio.Drawing.15">
                   <p:embed/>
                 </p:oleObj>
               </mc:Choice>
@@ -8128,7 +8128,7 @@
           <a:graphicData uri="http://schemas.openxmlformats.org/presentationml/2006/ole">
             <mc:AlternateContent xmlns:mc="http://schemas.openxmlformats.org/markup-compatibility/2006">
               <mc:Choice xmlns:v="urn:schemas-microsoft-com:vml" Requires="v">
-                <p:oleObj spid="_x0000_s62486" name="Visio" r:id="rId4" imgW="9848939" imgH="4881553" progId="Visio.Drawing.15">
+                <p:oleObj spid="_x0000_s62487" name="Visio" r:id="rId4" imgW="9848939" imgH="4881553" progId="Visio.Drawing.15">
                   <p:embed/>
                 </p:oleObj>
               </mc:Choice>
@@ -8353,7 +8353,7 @@
           <a:graphicData uri="http://schemas.openxmlformats.org/presentationml/2006/ole">
             <mc:AlternateContent xmlns:mc="http://schemas.openxmlformats.org/markup-compatibility/2006">
               <mc:Choice xmlns:v="urn:schemas-microsoft-com:vml" Requires="v">
-                <p:oleObj spid="_x0000_s63505" name="Visio" r:id="rId3" imgW="7944116" imgH="7600714" progId="Visio.Drawing.15">
+                <p:oleObj spid="_x0000_s63506" name="Visio" r:id="rId3" imgW="7944116" imgH="7600714" progId="Visio.Drawing.15">
                   <p:embed/>
                 </p:oleObj>
               </mc:Choice>
@@ -17395,7 +17395,7 @@
           <a:graphicData uri="http://schemas.openxmlformats.org/presentationml/2006/ole">
             <mc:AlternateContent xmlns:mc="http://schemas.openxmlformats.org/markup-compatibility/2006">
               <mc:Choice xmlns:v="urn:schemas-microsoft-com:vml" Requires="v">
-                <p:oleObj spid="_x0000_s66566" name="Visio" r:id="rId4" imgW="8820239" imgH="4881553" progId="Visio.Drawing.15">
+                <p:oleObj spid="_x0000_s66567" name="Visio" r:id="rId4" imgW="8820239" imgH="4881553" progId="Visio.Drawing.15">
                   <p:embed/>
                 </p:oleObj>
               </mc:Choice>
@@ -20891,7 +20891,7 @@
           <a:graphicData uri="http://schemas.openxmlformats.org/presentationml/2006/ole">
             <mc:AlternateContent xmlns:mc="http://schemas.openxmlformats.org/markup-compatibility/2006">
               <mc:Choice xmlns:v="urn:schemas-microsoft-com:vml" Requires="v">
-                <p:oleObj spid="_x0000_s65544" name="Visio" r:id="rId4" imgW="9196631" imgH="4914959" progId="Visio.Drawing.15">
+                <p:oleObj spid="_x0000_s65545" name="Visio" r:id="rId4" imgW="9196631" imgH="4914959" progId="Visio.Drawing.15">
                   <p:embed/>
                 </p:oleObj>
               </mc:Choice>
@@ -21179,7 +21179,7 @@
           <a:graphicData uri="http://schemas.openxmlformats.org/presentationml/2006/ole">
             <mc:AlternateContent xmlns:mc="http://schemas.openxmlformats.org/markup-compatibility/2006">
               <mc:Choice xmlns:v="urn:schemas-microsoft-com:vml" Requires="v">
-                <p:oleObj spid="_x0000_s68613" name="Visio" r:id="rId3" imgW="8772392" imgH="3871942" progId="Visio.Drawing.15">
+                <p:oleObj spid="_x0000_s68614" name="Visio" r:id="rId3" imgW="8772392" imgH="3871942" progId="Visio.Drawing.15">
                   <p:embed/>
                 </p:oleObj>
               </mc:Choice>
@@ -26610,7 +26610,7 @@
           <a:graphicData uri="http://schemas.openxmlformats.org/presentationml/2006/ole">
             <mc:AlternateContent xmlns:mc="http://schemas.openxmlformats.org/markup-compatibility/2006">
               <mc:Choice xmlns:v="urn:schemas-microsoft-com:vml" Requires="v">
-                <p:oleObj spid="_x0000_s37946" name="Visio" r:id="rId4" imgW="20712223" imgH="8919996" progId="Visio.Drawing.15">
+                <p:oleObj spid="_x0000_s37947" name="Visio" r:id="rId4" imgW="20712223" imgH="8919996" progId="Visio.Drawing.15">
                   <p:embed/>
                 </p:oleObj>
               </mc:Choice>
@@ -26898,7 +26898,7 @@
           <a:graphicData uri="http://schemas.openxmlformats.org/presentationml/2006/ole">
             <mc:AlternateContent xmlns:mc="http://schemas.openxmlformats.org/markup-compatibility/2006">
               <mc:Choice xmlns:v="urn:schemas-microsoft-com:vml" Requires="v">
-                <p:oleObj spid="_x0000_s59412" name="Visio" r:id="rId3" imgW="18864285" imgH="7825013" progId="Visio.Drawing.15">
+                <p:oleObj spid="_x0000_s59413" name="Visio" r:id="rId3" imgW="18864285" imgH="7825013" progId="Visio.Drawing.15">
                   <p:embed/>
                 </p:oleObj>
               </mc:Choice>
@@ -27249,7 +27249,7 @@
           <a:graphicData uri="http://schemas.openxmlformats.org/presentationml/2006/ole">
             <mc:AlternateContent xmlns:mc="http://schemas.openxmlformats.org/markup-compatibility/2006">
               <mc:Choice xmlns:v="urn:schemas-microsoft-com:vml" Requires="v">
-                <p:oleObj spid="_x0000_s60434" name="Visio" r:id="rId3" imgW="10620331" imgH="5576721" progId="Visio.Drawing.15">
+                <p:oleObj spid="_x0000_s60435" name="Visio" r:id="rId3" imgW="10620331" imgH="5576721" progId="Visio.Drawing.15">
                   <p:embed/>
                 </p:oleObj>
               </mc:Choice>
@@ -28349,14 +28349,14 @@
           <p:nvPr>
             <p:extLst>
               <p:ext uri="{D42A27DB-BD31-4B8C-83A1-F6EECF244321}">
-                <p14:modId xmlns:p14="http://schemas.microsoft.com/office/powerpoint/2010/main" val="3742136716"/>
+                <p14:modId xmlns:p14="http://schemas.microsoft.com/office/powerpoint/2010/main" val="374862141"/>
               </p:ext>
             </p:extLst>
           </p:nvPr>
         </p:nvGraphicFramePr>
         <p:xfrm>
           <a:off x="822529" y="699542"/>
-          <a:ext cx="7637904" cy="3969408"/>
+          <a:ext cx="7637904" cy="3600400"/>
         </p:xfrm>
         <a:graphic>
           <a:graphicData uri="http://schemas.openxmlformats.org/drawingml/2006/table">
@@ -28535,129 +28535,6 @@
                         <a:rPr lang="zh-CN" sz="800" kern="100">
                           <a:effectLst/>
                         </a:rPr>
-                        <a:t>陈华</a:t>
-                      </a:r>
-                      <a:endParaRPr lang="zh-CN" sz="800" kern="100">
-                        <a:effectLst/>
-                        <a:latin typeface="Times New Roman" panose="02020603050405020304" pitchFamily="18" charset="0"/>
-                        <a:ea typeface="仿宋" panose="02010609060101010101" pitchFamily="49" charset="-122"/>
-                        <a:cs typeface="Times New Roman" panose="02020603050405020304" pitchFamily="18" charset="0"/>
-                      </a:endParaRPr>
-                    </a:p>
-                  </a:txBody>
-                  <a:tcPr marL="38163" marR="38163" marT="0" marB="0"/>
-                </a:tc>
-                <a:tc>
-                  <a:txBody>
-                    <a:bodyPr/>
-                    <a:lstStyle/>
-                    <a:p>
-                      <a:pPr algn="just">
-                        <a:lnSpc>
-                          <a:spcPts val="2300"/>
-                        </a:lnSpc>
-                        <a:spcAft>
-                          <a:spcPts val="0"/>
-                        </a:spcAft>
-                      </a:pPr>
-                      <a:r>
-                        <a:rPr lang="zh-CN" sz="800" kern="100">
-                          <a:effectLst/>
-                        </a:rPr>
-                        <a:t>设计师</a:t>
-                      </a:r>
-                      <a:endParaRPr lang="zh-CN" sz="800" kern="100">
-                        <a:effectLst/>
-                        <a:latin typeface="Times New Roman" panose="02020603050405020304" pitchFamily="18" charset="0"/>
-                        <a:ea typeface="仿宋" panose="02010609060101010101" pitchFamily="49" charset="-122"/>
-                        <a:cs typeface="Times New Roman" panose="02020603050405020304" pitchFamily="18" charset="0"/>
-                      </a:endParaRPr>
-                    </a:p>
-                  </a:txBody>
-                  <a:tcPr marL="38163" marR="38163" marT="0" marB="0"/>
-                </a:tc>
-                <a:tc>
-                  <a:txBody>
-                    <a:bodyPr/>
-                    <a:lstStyle/>
-                    <a:p>
-                      <a:pPr algn="just">
-                        <a:lnSpc>
-                          <a:spcPts val="2300"/>
-                        </a:lnSpc>
-                        <a:spcAft>
-                          <a:spcPts val="0"/>
-                        </a:spcAft>
-                      </a:pPr>
-                      <a:r>
-                        <a:rPr lang="zh-CN" sz="800" kern="100">
-                          <a:effectLst/>
-                        </a:rPr>
-                        <a:t>中国工程物理研究院核物理与化学研究所</a:t>
-                      </a:r>
-                      <a:endParaRPr lang="zh-CN" sz="800" kern="100">
-                        <a:effectLst/>
-                        <a:latin typeface="Times New Roman" panose="02020603050405020304" pitchFamily="18" charset="0"/>
-                        <a:ea typeface="仿宋" panose="02010609060101010101" pitchFamily="49" charset="-122"/>
-                        <a:cs typeface="Times New Roman" panose="02020603050405020304" pitchFamily="18" charset="0"/>
-                      </a:endParaRPr>
-                    </a:p>
-                  </a:txBody>
-                  <a:tcPr marL="38163" marR="38163" marT="0" marB="0"/>
-                </a:tc>
-                <a:tc>
-                  <a:txBody>
-                    <a:bodyPr/>
-                    <a:lstStyle/>
-                    <a:p>
-                      <a:pPr algn="just">
-                        <a:lnSpc>
-                          <a:spcPts val="2300"/>
-                        </a:lnSpc>
-                        <a:spcAft>
-                          <a:spcPts val="0"/>
-                        </a:spcAft>
-                      </a:pPr>
-                      <a:r>
-                        <a:rPr lang="zh-CN" sz="800" kern="100">
-                          <a:effectLst/>
-                        </a:rPr>
-                        <a:t>项目甲方总负责人</a:t>
-                      </a:r>
-                      <a:endParaRPr lang="zh-CN" sz="800" kern="100">
-                        <a:effectLst/>
-                        <a:latin typeface="Times New Roman" panose="02020603050405020304" pitchFamily="18" charset="0"/>
-                        <a:ea typeface="仿宋" panose="02010609060101010101" pitchFamily="49" charset="-122"/>
-                        <a:cs typeface="Times New Roman" panose="02020603050405020304" pitchFamily="18" charset="0"/>
-                      </a:endParaRPr>
-                    </a:p>
-                  </a:txBody>
-                  <a:tcPr marL="38163" marR="38163" marT="0" marB="0"/>
-                </a:tc>
-                <a:extLst>
-                  <a:ext uri="{0D108BD9-81ED-4DB2-BD59-A6C34878D82A}">
-                    <a16:rowId xmlns:a16="http://schemas.microsoft.com/office/drawing/2014/main" val="4071111955"/>
-                  </a:ext>
-                </a:extLst>
-              </a:tr>
-              <a:tr h="369008">
-                <a:tc>
-                  <a:txBody>
-                    <a:bodyPr/>
-                    <a:lstStyle/>
-                    <a:p>
-                      <a:pPr algn="just">
-                        <a:lnSpc>
-                          <a:spcPts val="2300"/>
-                        </a:lnSpc>
-                        <a:spcAft>
-                          <a:spcPts val="0"/>
-                        </a:spcAft>
-                      </a:pPr>
-                      <a:r>
-                        <a:rPr lang="zh-CN" sz="800" kern="100">
-                          <a:effectLst/>
-                        </a:rPr>
                         <a:t>张锐</a:t>
                       </a:r>
                       <a:endParaRPr lang="zh-CN" sz="800" kern="100">
@@ -28742,12 +28619,12 @@
                         </a:spcAft>
                       </a:pPr>
                       <a:r>
-                        <a:rPr lang="zh-CN" sz="800" kern="100">
+                        <a:rPr lang="zh-CN" sz="800" kern="100" dirty="0">
                           <a:effectLst/>
                         </a:rPr>
                         <a:t>项目乙方负责人</a:t>
                       </a:r>
-                      <a:endParaRPr lang="zh-CN" sz="800" kern="100">
+                      <a:endParaRPr lang="zh-CN" sz="800" kern="100" dirty="0">
                         <a:effectLst/>
                         <a:latin typeface="Times New Roman" panose="02020603050405020304" pitchFamily="18" charset="0"/>
                         <a:ea typeface="仿宋" panose="02010609060101010101" pitchFamily="49" charset="-122"/>
